--- a/Templates/PowerAgentConf/2025/template.pptx
+++ b/Templates/PowerAgentConf/2025/template.pptx
@@ -2,10 +2,10 @@
 <file path=ppt/presentation.xml><?xml version="1.0" encoding="utf-8"?>
 <p:presentation xmlns:a="http://schemas.openxmlformats.org/drawingml/2006/main" xmlns:r="http://schemas.openxmlformats.org/officeDocument/2006/relationships" xmlns:p="http://schemas.openxmlformats.org/presentationml/2006/main" saveSubsetFonts="1">
   <p:sldMasterIdLst>
-    <p:sldMasterId id="2147483648" r:id="rId1"/>
+    <p:sldMasterId id="2147483648" r:id="rId4"/>
   </p:sldMasterIdLst>
   <p:sldIdLst>
-    <p:sldId id="256" r:id="rId2"/>
+    <p:sldId id="256" r:id="rId5"/>
   </p:sldIdLst>
   <p:sldSz cx="12192000" cy="6858000"/>
   <p:notesSz cx="6858000" cy="9144000"/>
@@ -112,6 +112,51 @@
 </p:presentation>
 </file>
 
+<file path=ppt/revisionInfo.xml><?xml version="1.0" encoding="utf-8"?>
+<p1510:revInfo xmlns:a="http://schemas.openxmlformats.org/drawingml/2006/main" xmlns:r="http://schemas.openxmlformats.org/officeDocument/2006/relationships" xmlns:p1510="http://schemas.microsoft.com/office/powerpoint/2015/10/main">
+  <p1510:revLst>
+    <p1510:client id="{3230A021-8867-409F-BD15-0DAD0E855617}" v="1" dt="2025-09-21T08:49:54.168"/>
+  </p1510:revLst>
+</p1510:revInfo>
+</file>
+
+<file path=ppt/changesInfos/changesInfo1.xml><?xml version="1.0" encoding="utf-8"?>
+<pc:chgInfo xmlns:a="http://schemas.openxmlformats.org/drawingml/2006/main" xmlns:r="http://schemas.openxmlformats.org/officeDocument/2006/relationships" xmlns:ac="http://schemas.microsoft.com/office/drawing/2013/main/command" xmlns:pc="http://schemas.microsoft.com/office/powerpoint/2013/main/command">
+  <pc:docChgLst>
+    <pc:chgData name="Luca Congiu" userId="309aec34-6e2f-42e7-9a2d-f4f68dda6269" providerId="ADAL" clId="{326FAB6E-7921-4477-A594-CCF261CD94E1}"/>
+    <pc:docChg chg="custSel modSld">
+      <pc:chgData name="Luca Congiu" userId="309aec34-6e2f-42e7-9a2d-f4f68dda6269" providerId="ADAL" clId="{326FAB6E-7921-4477-A594-CCF261CD94E1}" dt="2025-09-21T08:50:02.626" v="6" actId="14100"/>
+      <pc:docMkLst>
+        <pc:docMk/>
+      </pc:docMkLst>
+      <pc:sldChg chg="addSp delSp modSp mod">
+        <pc:chgData name="Luca Congiu" userId="309aec34-6e2f-42e7-9a2d-f4f68dda6269" providerId="ADAL" clId="{326FAB6E-7921-4477-A594-CCF261CD94E1}" dt="2025-09-21T08:50:02.626" v="6" actId="14100"/>
+        <pc:sldMkLst>
+          <pc:docMk/>
+          <pc:sldMk cId="336717526" sldId="256"/>
+        </pc:sldMkLst>
+        <pc:picChg chg="del">
+          <ac:chgData name="Luca Congiu" userId="309aec34-6e2f-42e7-9a2d-f4f68dda6269" providerId="ADAL" clId="{326FAB6E-7921-4477-A594-CCF261CD94E1}" dt="2025-09-21T08:49:51.998" v="0" actId="478"/>
+          <ac:picMkLst>
+            <pc:docMk/>
+            <pc:sldMk cId="336717526" sldId="256"/>
+            <ac:picMk id="3" creationId="{5B663760-7B48-27D9-31F0-E9DAF949BD8D}"/>
+          </ac:picMkLst>
+        </pc:picChg>
+        <pc:picChg chg="add mod ord">
+          <ac:chgData name="Luca Congiu" userId="309aec34-6e2f-42e7-9a2d-f4f68dda6269" providerId="ADAL" clId="{326FAB6E-7921-4477-A594-CCF261CD94E1}" dt="2025-09-21T08:50:02.626" v="6" actId="14100"/>
+          <ac:picMkLst>
+            <pc:docMk/>
+            <pc:sldMk cId="336717526" sldId="256"/>
+            <ac:picMk id="4" creationId="{9F83C3F9-AF08-295E-14D4-D354CF984612}"/>
+          </ac:picMkLst>
+        </pc:picChg>
+      </pc:sldChg>
+    </pc:docChg>
+  </pc:docChgLst>
+</pc:chgInfo>
+</file>
+
 <file path=ppt/slideLayouts/slideLayout1.xml><?xml version="1.0" encoding="utf-8"?>
 <p:sldLayout xmlns:a="http://schemas.openxmlformats.org/drawingml/2006/main" xmlns:r="http://schemas.openxmlformats.org/officeDocument/2006/relationships" xmlns:p="http://schemas.openxmlformats.org/presentationml/2006/main" type="title" preserve="1">
   <p:cSld name="Title Slide">
@@ -261,7 +306,7 @@
           <a:p>
             <a:fld id="{30A9A2DB-A033-4716-A07F-DB5EF24399CE}" type="datetimeFigureOut">
               <a:rPr lang="en-GB" smtClean="0"/>
-              <a:t>06/09/2025</a:t>
+              <a:t>21/09/2025</a:t>
             </a:fld>
             <a:endParaRPr lang="en-GB"/>
           </a:p>
@@ -461,7 +506,7 @@
           <a:p>
             <a:fld id="{30A9A2DB-A033-4716-A07F-DB5EF24399CE}" type="datetimeFigureOut">
               <a:rPr lang="en-GB" smtClean="0"/>
-              <a:t>06/09/2025</a:t>
+              <a:t>21/09/2025</a:t>
             </a:fld>
             <a:endParaRPr lang="en-GB"/>
           </a:p>
@@ -671,7 +716,7 @@
           <a:p>
             <a:fld id="{30A9A2DB-A033-4716-A07F-DB5EF24399CE}" type="datetimeFigureOut">
               <a:rPr lang="en-GB" smtClean="0"/>
-              <a:t>06/09/2025</a:t>
+              <a:t>21/09/2025</a:t>
             </a:fld>
             <a:endParaRPr lang="en-GB"/>
           </a:p>
@@ -871,7 +916,7 @@
           <a:p>
             <a:fld id="{30A9A2DB-A033-4716-A07F-DB5EF24399CE}" type="datetimeFigureOut">
               <a:rPr lang="en-GB" smtClean="0"/>
-              <a:t>06/09/2025</a:t>
+              <a:t>21/09/2025</a:t>
             </a:fld>
             <a:endParaRPr lang="en-GB"/>
           </a:p>
@@ -1147,7 +1192,7 @@
           <a:p>
             <a:fld id="{30A9A2DB-A033-4716-A07F-DB5EF24399CE}" type="datetimeFigureOut">
               <a:rPr lang="en-GB" smtClean="0"/>
-              <a:t>06/09/2025</a:t>
+              <a:t>21/09/2025</a:t>
             </a:fld>
             <a:endParaRPr lang="en-GB"/>
           </a:p>
@@ -1415,7 +1460,7 @@
           <a:p>
             <a:fld id="{30A9A2DB-A033-4716-A07F-DB5EF24399CE}" type="datetimeFigureOut">
               <a:rPr lang="en-GB" smtClean="0"/>
-              <a:t>06/09/2025</a:t>
+              <a:t>21/09/2025</a:t>
             </a:fld>
             <a:endParaRPr lang="en-GB"/>
           </a:p>
@@ -1830,7 +1875,7 @@
           <a:p>
             <a:fld id="{30A9A2DB-A033-4716-A07F-DB5EF24399CE}" type="datetimeFigureOut">
               <a:rPr lang="en-GB" smtClean="0"/>
-              <a:t>06/09/2025</a:t>
+              <a:t>21/09/2025</a:t>
             </a:fld>
             <a:endParaRPr lang="en-GB"/>
           </a:p>
@@ -1972,7 +2017,7 @@
           <a:p>
             <a:fld id="{30A9A2DB-A033-4716-A07F-DB5EF24399CE}" type="datetimeFigureOut">
               <a:rPr lang="en-GB" smtClean="0"/>
-              <a:t>06/09/2025</a:t>
+              <a:t>21/09/2025</a:t>
             </a:fld>
             <a:endParaRPr lang="en-GB"/>
           </a:p>
@@ -2085,7 +2130,7 @@
           <a:p>
             <a:fld id="{30A9A2DB-A033-4716-A07F-DB5EF24399CE}" type="datetimeFigureOut">
               <a:rPr lang="en-GB" smtClean="0"/>
-              <a:t>06/09/2025</a:t>
+              <a:t>21/09/2025</a:t>
             </a:fld>
             <a:endParaRPr lang="en-GB"/>
           </a:p>
@@ -2398,7 +2443,7 @@
           <a:p>
             <a:fld id="{30A9A2DB-A033-4716-A07F-DB5EF24399CE}" type="datetimeFigureOut">
               <a:rPr lang="en-GB" smtClean="0"/>
-              <a:t>06/09/2025</a:t>
+              <a:t>21/09/2025</a:t>
             </a:fld>
             <a:endParaRPr lang="en-GB"/>
           </a:p>
@@ -2687,7 +2732,7 @@
           <a:p>
             <a:fld id="{30A9A2DB-A033-4716-A07F-DB5EF24399CE}" type="datetimeFigureOut">
               <a:rPr lang="en-GB" smtClean="0"/>
-              <a:t>06/09/2025</a:t>
+              <a:t>21/09/2025</a:t>
             </a:fld>
             <a:endParaRPr lang="en-GB"/>
           </a:p>
@@ -2930,7 +2975,7 @@
           <a:p>
             <a:fld id="{30A9A2DB-A033-4716-A07F-DB5EF24399CE}" type="datetimeFigureOut">
               <a:rPr lang="en-GB" smtClean="0"/>
-              <a:t>06/09/2025</a:t>
+              <a:t>21/09/2025</a:t>
             </a:fld>
             <a:endParaRPr lang="en-GB"/>
           </a:p>
@@ -3349,10 +3394,10 @@
       </p:grpSpPr>
       <p:pic>
         <p:nvPicPr>
-          <p:cNvPr id="3" name="Picture 2" descr="A green screen with white text&#10;&#10;AI-generated content may be incorrect.">
-            <a:extLst>
-              <a:ext uri="{FF2B5EF4-FFF2-40B4-BE49-F238E27FC236}">
-                <a16:creationId xmlns:a16="http://schemas.microsoft.com/office/drawing/2014/main" id="{5B663760-7B48-27D9-31F0-E9DAF949BD8D}"/>
+          <p:cNvPr id="4" name="Picture 3" descr="A green screen with white text&#10;&#10;AI-generated content may be incorrect.">
+            <a:extLst>
+              <a:ext uri="{FF2B5EF4-FFF2-40B4-BE49-F238E27FC236}">
+                <a16:creationId xmlns:a16="http://schemas.microsoft.com/office/drawing/2014/main" id="{9F83C3F9-AF08-295E-14D4-D354CF984612}"/>
               </a:ext>
             </a:extLst>
           </p:cNvPr>
@@ -3375,8 +3420,8 @@
         </p:blipFill>
         <p:spPr>
           <a:xfrm>
-            <a:off x="-1" y="0"/>
-            <a:ext cx="12191999" cy="6858000"/>
+            <a:off x="0" y="-1"/>
+            <a:ext cx="12192000" cy="6858001"/>
           </a:xfrm>
           <a:prstGeom prst="rect">
             <a:avLst/>
@@ -3814,6 +3859,271 @@
 </a:theme>
 </file>
 
+<file path=customXml/item1.xml><?xml version="1.0" encoding="utf-8"?>
+<?mso-contentType ?>
+<FormTemplates xmlns="http://schemas.microsoft.com/sharepoint/v3/contenttype/forms">
+  <Display>DocumentLibraryForm</Display>
+  <Edit>DocumentLibraryForm</Edit>
+  <New>DocumentLibraryForm</New>
+</FormTemplates>
+</file>
+
+<file path=customXml/item2.xml><?xml version="1.0" encoding="utf-8"?>
+<ct:contentTypeSchema xmlns:ct="http://schemas.microsoft.com/office/2006/metadata/contentType" xmlns:ma="http://schemas.microsoft.com/office/2006/metadata/properties/metaAttributes" ct:_="" ma:_="" ma:contentTypeName="Document" ma:contentTypeID="0x010100FD6131E5EFD16140B6B7F4892B3B1EDF" ma:contentTypeVersion="13" ma:contentTypeDescription="Create a new document." ma:contentTypeScope="" ma:versionID="145255e663cdc3e6e9cba0ee678cd235">
+  <xsd:schema xmlns:xsd="http://www.w3.org/2001/XMLSchema" xmlns:xs="http://www.w3.org/2001/XMLSchema" xmlns:p="http://schemas.microsoft.com/office/2006/metadata/properties" xmlns:ns2="d8121912-130d-4688-8a96-8cf2c237709c" xmlns:ns3="cef5da91-0831-42fa-860c-d84acea2b669" targetNamespace="http://schemas.microsoft.com/office/2006/metadata/properties" ma:root="true" ma:fieldsID="871e515fac4f99d2d7b2b65d09122d2d" ns2:_="" ns3:_="">
+    <xsd:import namespace="d8121912-130d-4688-8a96-8cf2c237709c"/>
+    <xsd:import namespace="cef5da91-0831-42fa-860c-d84acea2b669"/>
+    <xsd:element name="properties">
+      <xsd:complexType>
+        <xsd:sequence>
+          <xsd:element name="documentManagement">
+            <xsd:complexType>
+              <xsd:all>
+                <xsd:element ref="ns2:MediaServiceMetadata" minOccurs="0"/>
+                <xsd:element ref="ns2:MediaServiceFastMetadata" minOccurs="0"/>
+                <xsd:element ref="ns2:MediaServiceSearchProperties" minOccurs="0"/>
+                <xsd:element ref="ns2:MediaServiceDateTaken" minOccurs="0"/>
+                <xsd:element ref="ns2:MediaServiceObjectDetectorVersions" minOccurs="0"/>
+                <xsd:element ref="ns2:MediaServiceGenerationTime" minOccurs="0"/>
+                <xsd:element ref="ns2:MediaServiceEventHashCode" minOccurs="0"/>
+                <xsd:element ref="ns2:MediaLengthInSeconds" minOccurs="0"/>
+                <xsd:element ref="ns2:lcf76f155ced4ddcb4097134ff3c332f" minOccurs="0"/>
+                <xsd:element ref="ns3:TaxCatchAll" minOccurs="0"/>
+                <xsd:element ref="ns2:MediaServiceOCR" minOccurs="0"/>
+                <xsd:element ref="ns2:MediaServiceLocation" minOccurs="0"/>
+              </xsd:all>
+            </xsd:complexType>
+          </xsd:element>
+        </xsd:sequence>
+      </xsd:complexType>
+    </xsd:element>
+  </xsd:schema>
+  <xsd:schema xmlns:xsd="http://www.w3.org/2001/XMLSchema" xmlns:xs="http://www.w3.org/2001/XMLSchema" xmlns:dms="http://schemas.microsoft.com/office/2006/documentManagement/types" xmlns:pc="http://schemas.microsoft.com/office/infopath/2007/PartnerControls" targetNamespace="d8121912-130d-4688-8a96-8cf2c237709c" elementFormDefault="qualified">
+    <xsd:import namespace="http://schemas.microsoft.com/office/2006/documentManagement/types"/>
+    <xsd:import namespace="http://schemas.microsoft.com/office/infopath/2007/PartnerControls"/>
+    <xsd:element name="MediaServiceMetadata" ma:index="8" nillable="true" ma:displayName="MediaServiceMetadata" ma:hidden="true" ma:internalName="MediaServiceMetadata" ma:readOnly="true">
+      <xsd:simpleType>
+        <xsd:restriction base="dms:Note"/>
+      </xsd:simpleType>
+    </xsd:element>
+    <xsd:element name="MediaServiceFastMetadata" ma:index="9" nillable="true" ma:displayName="MediaServiceFastMetadata" ma:hidden="true" ma:internalName="MediaServiceFastMetadata" ma:readOnly="true">
+      <xsd:simpleType>
+        <xsd:restriction base="dms:Note"/>
+      </xsd:simpleType>
+    </xsd:element>
+    <xsd:element name="MediaServiceSearchProperties" ma:index="10" nillable="true" ma:displayName="MediaServiceSearchProperties" ma:hidden="true" ma:internalName="MediaServiceSearchProperties" ma:readOnly="true">
+      <xsd:simpleType>
+        <xsd:restriction base="dms:Note"/>
+      </xsd:simpleType>
+    </xsd:element>
+    <xsd:element name="MediaServiceDateTaken" ma:index="11" nillable="true" ma:displayName="MediaServiceDateTaken" ma:hidden="true" ma:indexed="true" ma:internalName="MediaServiceDateTaken" ma:readOnly="true">
+      <xsd:simpleType>
+        <xsd:restriction base="dms:Text"/>
+      </xsd:simpleType>
+    </xsd:element>
+    <xsd:element name="MediaServiceObjectDetectorVersions" ma:index="12" nillable="true" ma:displayName="MediaServiceObjectDetectorVersions" ma:hidden="true" ma:indexed="true" ma:internalName="MediaServiceObjectDetectorVersions" ma:readOnly="true">
+      <xsd:simpleType>
+        <xsd:restriction base="dms:Text"/>
+      </xsd:simpleType>
+    </xsd:element>
+    <xsd:element name="MediaServiceGenerationTime" ma:index="13" nillable="true" ma:displayName="MediaServiceGenerationTime" ma:hidden="true" ma:internalName="MediaServiceGenerationTime" ma:readOnly="true">
+      <xsd:simpleType>
+        <xsd:restriction base="dms:Text"/>
+      </xsd:simpleType>
+    </xsd:element>
+    <xsd:element name="MediaServiceEventHashCode" ma:index="14" nillable="true" ma:displayName="MediaServiceEventHashCode" ma:hidden="true" ma:internalName="MediaServiceEventHashCode" ma:readOnly="true">
+      <xsd:simpleType>
+        <xsd:restriction base="dms:Text"/>
+      </xsd:simpleType>
+    </xsd:element>
+    <xsd:element name="MediaLengthInSeconds" ma:index="15" nillable="true" ma:displayName="MediaLengthInSeconds" ma:hidden="true" ma:internalName="MediaLengthInSeconds" ma:readOnly="true">
+      <xsd:simpleType>
+        <xsd:restriction base="dms:Unknown"/>
+      </xsd:simpleType>
+    </xsd:element>
+    <xsd:element name="lcf76f155ced4ddcb4097134ff3c332f" ma:index="17" nillable="true" ma:taxonomy="true" ma:internalName="lcf76f155ced4ddcb4097134ff3c332f" ma:taxonomyFieldName="MediaServiceImageTags" ma:displayName="Image Tags" ma:readOnly="false" ma:fieldId="{5cf76f15-5ced-4ddc-b409-7134ff3c332f}" ma:taxonomyMulti="true" ma:sspId="cb3eaf0a-ec7c-4c5b-b578-2d5a923ed711" ma:termSetId="09814cd3-568e-fe90-9814-8d621ff8fb84" ma:anchorId="fba54fb3-c3e1-fe81-a776-ca4b69148c4d" ma:open="true" ma:isKeyword="false">
+      <xsd:complexType>
+        <xsd:sequence>
+          <xsd:element ref="pc:Terms" minOccurs="0" maxOccurs="1"/>
+        </xsd:sequence>
+      </xsd:complexType>
+    </xsd:element>
+    <xsd:element name="MediaServiceOCR" ma:index="19" nillable="true" ma:displayName="Extracted Text" ma:internalName="MediaServiceOCR" ma:readOnly="true">
+      <xsd:simpleType>
+        <xsd:restriction base="dms:Note">
+          <xsd:maxLength value="255"/>
+        </xsd:restriction>
+      </xsd:simpleType>
+    </xsd:element>
+    <xsd:element name="MediaServiceLocation" ma:index="20" nillable="true" ma:displayName="Location" ma:indexed="true" ma:internalName="MediaServiceLocation" ma:readOnly="true">
+      <xsd:simpleType>
+        <xsd:restriction base="dms:Text"/>
+      </xsd:simpleType>
+    </xsd:element>
+  </xsd:schema>
+  <xsd:schema xmlns:xsd="http://www.w3.org/2001/XMLSchema" xmlns:xs="http://www.w3.org/2001/XMLSchema" xmlns:dms="http://schemas.microsoft.com/office/2006/documentManagement/types" xmlns:pc="http://schemas.microsoft.com/office/infopath/2007/PartnerControls" targetNamespace="cef5da91-0831-42fa-860c-d84acea2b669" elementFormDefault="qualified">
+    <xsd:import namespace="http://schemas.microsoft.com/office/2006/documentManagement/types"/>
+    <xsd:import namespace="http://schemas.microsoft.com/office/infopath/2007/PartnerControls"/>
+    <xsd:element name="TaxCatchAll" ma:index="18" nillable="true" ma:displayName="Taxonomy Catch All Column" ma:hidden="true" ma:list="{f9dfd23f-fefb-4f7f-bb4d-3c7d3fc8a426}" ma:internalName="TaxCatchAll" ma:showField="CatchAllData" ma:web="cef5da91-0831-42fa-860c-d84acea2b669">
+      <xsd:complexType>
+        <xsd:complexContent>
+          <xsd:extension base="dms:MultiChoiceLookup">
+            <xsd:sequence>
+              <xsd:element name="Value" type="dms:Lookup" maxOccurs="unbounded" minOccurs="0" nillable="true"/>
+            </xsd:sequence>
+          </xsd:extension>
+        </xsd:complexContent>
+      </xsd:complexType>
+    </xsd:element>
+  </xsd:schema>
+  <xsd:schema xmlns="http://schemas.openxmlformats.org/package/2006/metadata/core-properties" xmlns:xsd="http://www.w3.org/2001/XMLSchema" xmlns:xsi="http://www.w3.org/2001/XMLSchema-instance" xmlns:dc="http://purl.org/dc/elements/1.1/" xmlns:dcterms="http://purl.org/dc/terms/" xmlns:odoc="http://schemas.microsoft.com/internal/obd" targetNamespace="http://schemas.openxmlformats.org/package/2006/metadata/core-properties" elementFormDefault="qualified" attributeFormDefault="unqualified" blockDefault="#all">
+    <xsd:import namespace="http://purl.org/dc/elements/1.1/" schemaLocation="http://dublincore.org/schemas/xmls/qdc/2003/04/02/dc.xsd"/>
+    <xsd:import namespace="http://purl.org/dc/terms/" schemaLocation="http://dublincore.org/schemas/xmls/qdc/2003/04/02/dcterms.xsd"/>
+    <xsd:element name="coreProperties" type="CT_coreProperties"/>
+    <xsd:complexType name="CT_coreProperties">
+      <xsd:all>
+        <xsd:element ref="dc:creator" minOccurs="0" maxOccurs="1"/>
+        <xsd:element ref="dcterms:created" minOccurs="0" maxOccurs="1"/>
+        <xsd:element ref="dc:identifier" minOccurs="0" maxOccurs="1"/>
+        <xsd:element name="contentType" minOccurs="0" maxOccurs="1" type="xsd:string" ma:index="0" ma:displayName="Content Type"/>
+        <xsd:element ref="dc:title" minOccurs="0" maxOccurs="1" ma:index="4" ma:displayName="Title"/>
+        <xsd:element ref="dc:subject" minOccurs="0" maxOccurs="1"/>
+        <xsd:element ref="dc:description" minOccurs="0" maxOccurs="1"/>
+        <xsd:element name="keywords" minOccurs="0" maxOccurs="1" type="xsd:string"/>
+        <xsd:element ref="dc:language" minOccurs="0" maxOccurs="1"/>
+        <xsd:element name="category" minOccurs="0" maxOccurs="1" type="xsd:string"/>
+        <xsd:element name="version" minOccurs="0" maxOccurs="1" type="xsd:string"/>
+        <xsd:element name="revision" minOccurs="0" maxOccurs="1" type="xsd:string">
+          <xsd:annotation>
+            <xsd:documentation>
+                        This value indicates the number of saves or revisions. The application is responsible for updating this value after each revision.
+                    </xsd:documentation>
+          </xsd:annotation>
+        </xsd:element>
+        <xsd:element name="lastModifiedBy" minOccurs="0" maxOccurs="1" type="xsd:string"/>
+        <xsd:element ref="dcterms:modified" minOccurs="0" maxOccurs="1"/>
+        <xsd:element name="contentStatus" minOccurs="0" maxOccurs="1" type="xsd:string"/>
+      </xsd:all>
+    </xsd:complexType>
+  </xsd:schema>
+  <xs:schema xmlns:pc="http://schemas.microsoft.com/office/infopath/2007/PartnerControls" xmlns:xs="http://www.w3.org/2001/XMLSchema" targetNamespace="http://schemas.microsoft.com/office/infopath/2007/PartnerControls" elementFormDefault="qualified" attributeFormDefault="unqualified">
+    <xs:element name="Person">
+      <xs:complexType>
+        <xs:sequence>
+          <xs:element ref="pc:DisplayName" minOccurs="0"/>
+          <xs:element ref="pc:AccountId" minOccurs="0"/>
+          <xs:element ref="pc:AccountType" minOccurs="0"/>
+        </xs:sequence>
+      </xs:complexType>
+    </xs:element>
+    <xs:element name="DisplayName" type="xs:string"/>
+    <xs:element name="AccountId" type="xs:string"/>
+    <xs:element name="AccountType" type="xs:string"/>
+    <xs:element name="BDCAssociatedEntity">
+      <xs:complexType>
+        <xs:sequence>
+          <xs:element ref="pc:BDCEntity" minOccurs="0" maxOccurs="unbounded"/>
+        </xs:sequence>
+        <xs:attribute ref="pc:EntityNamespace"/>
+        <xs:attribute ref="pc:EntityName"/>
+        <xs:attribute ref="pc:SystemInstanceName"/>
+        <xs:attribute ref="pc:AssociationName"/>
+      </xs:complexType>
+    </xs:element>
+    <xs:attribute name="EntityNamespace" type="xs:string"/>
+    <xs:attribute name="EntityName" type="xs:string"/>
+    <xs:attribute name="SystemInstanceName" type="xs:string"/>
+    <xs:attribute name="AssociationName" type="xs:string"/>
+    <xs:element name="BDCEntity">
+      <xs:complexType>
+        <xs:sequence>
+          <xs:element ref="pc:EntityDisplayName" minOccurs="0"/>
+          <xs:element ref="pc:EntityInstanceReference" minOccurs="0"/>
+          <xs:element ref="pc:EntityId1" minOccurs="0"/>
+          <xs:element ref="pc:EntityId2" minOccurs="0"/>
+          <xs:element ref="pc:EntityId3" minOccurs="0"/>
+          <xs:element ref="pc:EntityId4" minOccurs="0"/>
+          <xs:element ref="pc:EntityId5" minOccurs="0"/>
+        </xs:sequence>
+      </xs:complexType>
+    </xs:element>
+    <xs:element name="EntityDisplayName" type="xs:string"/>
+    <xs:element name="EntityInstanceReference" type="xs:string"/>
+    <xs:element name="EntityId1" type="xs:string"/>
+    <xs:element name="EntityId2" type="xs:string"/>
+    <xs:element name="EntityId3" type="xs:string"/>
+    <xs:element name="EntityId4" type="xs:string"/>
+    <xs:element name="EntityId5" type="xs:string"/>
+    <xs:element name="Terms">
+      <xs:complexType>
+        <xs:sequence>
+          <xs:element ref="pc:TermInfo" minOccurs="0" maxOccurs="unbounded"/>
+        </xs:sequence>
+      </xs:complexType>
+    </xs:element>
+    <xs:element name="TermInfo">
+      <xs:complexType>
+        <xs:sequence>
+          <xs:element ref="pc:TermName" minOccurs="0"/>
+          <xs:element ref="pc:TermId" minOccurs="0"/>
+        </xs:sequence>
+      </xs:complexType>
+    </xs:element>
+    <xs:element name="TermName" type="xs:string"/>
+    <xs:element name="TermId" type="xs:string"/>
+  </xs:schema>
+</ct:contentTypeSchema>
+</file>
+
+<file path=customXml/item3.xml><?xml version="1.0" encoding="utf-8"?>
+<p:properties xmlns:p="http://schemas.microsoft.com/office/2006/metadata/properties" xmlns:xsi="http://www.w3.org/2001/XMLSchema-instance" xmlns:pc="http://schemas.microsoft.com/office/infopath/2007/PartnerControls">
+  <documentManagement>
+    <TaxCatchAll xmlns="cef5da91-0831-42fa-860c-d84acea2b669" xsi:nil="true"/>
+    <lcf76f155ced4ddcb4097134ff3c332f xmlns="d8121912-130d-4688-8a96-8cf2c237709c">
+      <Terms xmlns="http://schemas.microsoft.com/office/infopath/2007/PartnerControls"/>
+    </lcf76f155ced4ddcb4097134ff3c332f>
+  </documentManagement>
+</p:properties>
+</file>
+
+<file path=customXml/itemProps1.xml><?xml version="1.0" encoding="utf-8"?>
+<ds:datastoreItem xmlns:ds="http://schemas.openxmlformats.org/officeDocument/2006/customXml" ds:itemID="{D46FE066-8CEA-47A8-9FE9-6B233FB9D9D4}">
+  <ds:schemaRefs>
+    <ds:schemaRef ds:uri="http://schemas.microsoft.com/sharepoint/v3/contenttype/forms"/>
+  </ds:schemaRefs>
+</ds:datastoreItem>
+</file>
+
+<file path=customXml/itemProps2.xml><?xml version="1.0" encoding="utf-8"?>
+<ds:datastoreItem xmlns:ds="http://schemas.openxmlformats.org/officeDocument/2006/customXml" ds:itemID="{BD5611A8-086F-4995-B5A0-578D7EFC2924}">
+  <ds:schemaRefs>
+    <ds:schemaRef ds:uri="http://schemas.microsoft.com/office/2006/metadata/contentType"/>
+    <ds:schemaRef ds:uri="http://schemas.microsoft.com/office/2006/metadata/properties/metaAttributes"/>
+    <ds:schemaRef ds:uri="http://www.w3.org/2001/XMLSchema"/>
+    <ds:schemaRef ds:uri="http://schemas.microsoft.com/office/2006/metadata/properties"/>
+    <ds:schemaRef ds:uri="d8121912-130d-4688-8a96-8cf2c237709c"/>
+    <ds:schemaRef ds:uri="cef5da91-0831-42fa-860c-d84acea2b669"/>
+    <ds:schemaRef ds:uri="http://schemas.microsoft.com/office/2006/documentManagement/types"/>
+    <ds:schemaRef ds:uri="http://schemas.microsoft.com/office/infopath/2007/PartnerControls"/>
+    <ds:schemaRef ds:uri="http://schemas.openxmlformats.org/package/2006/metadata/core-properties"/>
+    <ds:schemaRef ds:uri="http://purl.org/dc/elements/1.1/"/>
+    <ds:schemaRef ds:uri="http://purl.org/dc/terms/"/>
+    <ds:schemaRef ds:uri="http://schemas.microsoft.com/internal/obd"/>
+  </ds:schemaRefs>
+</ds:datastoreItem>
+</file>
+
+<file path=customXml/itemProps3.xml><?xml version="1.0" encoding="utf-8"?>
+<ds:datastoreItem xmlns:ds="http://schemas.openxmlformats.org/officeDocument/2006/customXml" ds:itemID="{4F642810-76C0-472C-BC5E-4A23B3A72605}">
+  <ds:schemaRefs>
+    <ds:schemaRef ds:uri="http://schemas.microsoft.com/office/2006/metadata/properties"/>
+    <ds:schemaRef ds:uri="http://schemas.microsoft.com/office/infopath/2007/PartnerControls"/>
+    <ds:schemaRef ds:uri="cef5da91-0831-42fa-860c-d84acea2b669"/>
+    <ds:schemaRef ds:uri="d8121912-130d-4688-8a96-8cf2c237709c"/>
+  </ds:schemaRefs>
+</ds:datastoreItem>
+</file>
+
 <file path=docMetadata/LabelInfo.xml><?xml version="1.0" encoding="utf-8"?>
 <clbl:labelList xmlns:clbl="http://schemas.microsoft.com/office/2020/mipLabelMetadata">
   <clbl:label id="{f42aa342-8706-4288-bd11-ebb85995028c}" enabled="1" method="Standard" siteId="{72f988bf-86f1-41af-91ab-2d7cd011db47}" contentBits="0" removed="0"/>
